--- a/ValidationtoolExplanation/NL - Deel 1 Uitleg DPP en validatietool.pptx
+++ b/ValidationtoolExplanation/NL - Deel 1 Uitleg DPP en validatietool.pptx
@@ -163,7 +163,7 @@
   <pc:docChgLst>
     <pc:chgData name="Bosma, Janneke" userId="fbc09de8-61da-4812-b08f-019a8e6904b9" providerId="ADAL" clId="{1059E747-3AE2-4382-AF71-7C0F8F39FD4F}"/>
     <pc:docChg chg="undo custSel addSld delSld modSld sldOrd modMainMaster">
-      <pc:chgData name="Bosma, Janneke" userId="fbc09de8-61da-4812-b08f-019a8e6904b9" providerId="ADAL" clId="{1059E747-3AE2-4382-AF71-7C0F8F39FD4F}" dt="2024-04-18T13:59:04.104" v="205" actId="1076"/>
+      <pc:chgData name="Bosma, Janneke" userId="fbc09de8-61da-4812-b08f-019a8e6904b9" providerId="ADAL" clId="{1059E747-3AE2-4382-AF71-7C0F8F39FD4F}" dt="2024-04-30T11:03:36.034" v="206" actId="313"/>
       <pc:docMkLst>
         <pc:docMk/>
       </pc:docMkLst>
@@ -290,6 +290,21 @@
             <ac:picMk id="8" creationId="{AF8068D9-1AC1-486E-7756-801BAACDB97C}"/>
           </ac:picMkLst>
         </pc:picChg>
+      </pc:sldChg>
+      <pc:sldChg chg="modSp mod">
+        <pc:chgData name="Bosma, Janneke" userId="fbc09de8-61da-4812-b08f-019a8e6904b9" providerId="ADAL" clId="{1059E747-3AE2-4382-AF71-7C0F8F39FD4F}" dt="2024-04-30T11:03:36.034" v="206" actId="313"/>
+        <pc:sldMkLst>
+          <pc:docMk/>
+          <pc:sldMk cId="4258599563" sldId="393"/>
+        </pc:sldMkLst>
+        <pc:spChg chg="mod">
+          <ac:chgData name="Bosma, Janneke" userId="fbc09de8-61da-4812-b08f-019a8e6904b9" providerId="ADAL" clId="{1059E747-3AE2-4382-AF71-7C0F8F39FD4F}" dt="2024-04-30T11:03:36.034" v="206" actId="313"/>
+          <ac:spMkLst>
+            <pc:docMk/>
+            <pc:sldMk cId="4258599563" sldId="393"/>
+            <ac:spMk id="3" creationId="{56EA1C4E-165E-6C51-C0EF-275C7FEE12F6}"/>
+          </ac:spMkLst>
+        </pc:spChg>
       </pc:sldChg>
       <pc:sldChg chg="modNotesTx">
         <pc:chgData name="Bosma, Janneke" userId="fbc09de8-61da-4812-b08f-019a8e6904b9" providerId="ADAL" clId="{1059E747-3AE2-4382-AF71-7C0F8F39FD4F}" dt="2024-04-15T10:57:21.961" v="62" actId="20577"/>
@@ -488,7 +503,7 @@
           <a:p>
             <a:fld id="{3B684A2C-AF06-43EB-B93A-E4E444740058}" type="datetimeFigureOut">
               <a:rPr lang="nl-NL" smtClean="0"/>
-              <a:t>18-4-2024</a:t>
+              <a:t>30-4-2024</a:t>
             </a:fld>
             <a:endParaRPr lang="nl-NL"/>
           </a:p>
@@ -33001,23 +33016,7 @@
                 <a:ea typeface="Calibri" panose="020F0502020204030204" pitchFamily="34" charset="0"/>
                 <a:cs typeface="Times New Roman" panose="02020603050405020304" pitchFamily="18" charset="0"/>
               </a:rPr>
-              <a:t> </a:t>
-            </a:r>
-            <a:r>
-              <a:rPr lang="en-US" sz="2000" dirty="0" err="1">
-                <a:latin typeface="Calibri" panose="020F0502020204030204" pitchFamily="34" charset="0"/>
-                <a:ea typeface="Calibri" panose="020F0502020204030204" pitchFamily="34" charset="0"/>
-                <a:cs typeface="Times New Roman" panose="02020603050405020304" pitchFamily="18" charset="0"/>
-              </a:rPr>
-              <a:t>termonoloy</a:t>
-            </a:r>
-            <a:r>
-              <a:rPr lang="en-US" sz="2000" dirty="0">
-                <a:latin typeface="Calibri" panose="020F0502020204030204" pitchFamily="34" charset="0"/>
-                <a:ea typeface="Calibri" panose="020F0502020204030204" pitchFamily="34" charset="0"/>
-                <a:cs typeface="Times New Roman" panose="02020603050405020304" pitchFamily="18" charset="0"/>
-              </a:rPr>
-              <a:t>)</a:t>
+              <a:t> terminology)</a:t>
             </a:r>
           </a:p>
           <a:p>
@@ -37378,15 +37377,6 @@
 </file>
 
 <file path=customXml/item1.xml><?xml version="1.0" encoding="utf-8"?>
-<?mso-contentType ?>
-<FormTemplates xmlns="http://schemas.microsoft.com/sharepoint/v3/contenttype/forms">
-  <Display>DocumentLibraryForm</Display>
-  <Edit>DocumentLibraryForm</Edit>
-  <New>DocumentLibraryForm</New>
-</FormTemplates>
-</file>
-
-<file path=customXml/item2.xml><?xml version="1.0" encoding="utf-8"?>
 <ct:contentTypeSchema xmlns:ct="http://schemas.microsoft.com/office/2006/metadata/contentType" xmlns:ma="http://schemas.microsoft.com/office/2006/metadata/properties/metaAttributes" ct:_="" ma:_="" ma:contentTypeName="SyncFile" ma:contentTypeID="0x010100A9A932717EDC2148A5AA2B6D3F826ECC000DEDDD42BAF97C4FBD3896E7F5A51C1E" ma:contentTypeVersion="16" ma:contentTypeDescription="" ma:contentTypeScope="" ma:versionID="15c7e3a2767992ce44b33dc212dee59e">
   <xsd:schema xmlns:xsd="http://www.w3.org/2001/XMLSchema" xmlns:xs="http://www.w3.org/2001/XMLSchema" xmlns:p="http://schemas.microsoft.com/office/2006/metadata/properties" xmlns:ns2="5c6a04a9-8c4d-4399-97dd-b411ea78cc7c" xmlns:ns3="a426fc56-af65-4e8f-a9ff-3941d1d5d03e" xmlns:ns4="46081320-9ae3-4ab4-afb3-a51c151eddcf" targetNamespace="http://schemas.microsoft.com/office/2006/metadata/properties" ma:root="true" ma:fieldsID="b248d2168ad4804eaf272badeae9ea3a" ns2:_="" ns3:_="" ns4:_="">
     <xsd:import namespace="5c6a04a9-8c4d-4399-97dd-b411ea78cc7c"/>
@@ -37642,6 +37632,15 @@
 </ct:contentTypeSchema>
 </file>
 
+<file path=customXml/item2.xml><?xml version="1.0" encoding="utf-8"?>
+<?mso-contentType ?>
+<FormTemplates xmlns="http://schemas.microsoft.com/sharepoint/v3/contenttype/forms">
+  <Display>DocumentLibraryForm</Display>
+  <Edit>DocumentLibraryForm</Edit>
+  <New>DocumentLibraryForm</New>
+</FormTemplates>
+</file>
+
 <file path=customXml/item3.xml><?xml version="1.0" encoding="utf-8"?>
 <p:properties xmlns:p="http://schemas.microsoft.com/office/2006/metadata/properties" xmlns:xsi="http://www.w3.org/2001/XMLSchema-instance" xmlns:pc="http://schemas.microsoft.com/office/infopath/2007/PartnerControls">
   <documentManagement>
@@ -37662,14 +37661,6 @@
 </file>
 
 <file path=customXml/itemProps1.xml><?xml version="1.0" encoding="utf-8"?>
-<ds:datastoreItem xmlns:ds="http://schemas.openxmlformats.org/officeDocument/2006/customXml" ds:itemID="{0C279383-6E65-4028-B14D-62ED5E7037D7}">
-  <ds:schemaRefs>
-    <ds:schemaRef ds:uri="http://schemas.microsoft.com/sharepoint/v3/contenttype/forms"/>
-  </ds:schemaRefs>
-</ds:datastoreItem>
-</file>
-
-<file path=customXml/itemProps2.xml><?xml version="1.0" encoding="utf-8"?>
 <ds:datastoreItem xmlns:ds="http://schemas.openxmlformats.org/officeDocument/2006/customXml" ds:itemID="{7BD8EDCB-222E-4037-968D-7DAF06DBE2D1}">
   <ds:schemaRefs>
     <ds:schemaRef ds:uri="http://schemas.microsoft.com/office/2006/metadata/contentType"/>
@@ -37685,6 +37676,14 @@
     <ds:schemaRef ds:uri="http://purl.org/dc/elements/1.1/"/>
     <ds:schemaRef ds:uri="http://purl.org/dc/terms/"/>
     <ds:schemaRef ds:uri="http://schemas.microsoft.com/internal/obd"/>
+  </ds:schemaRefs>
+</ds:datastoreItem>
+</file>
+
+<file path=customXml/itemProps2.xml><?xml version="1.0" encoding="utf-8"?>
+<ds:datastoreItem xmlns:ds="http://schemas.openxmlformats.org/officeDocument/2006/customXml" ds:itemID="{0C279383-6E65-4028-B14D-62ED5E7037D7}">
+  <ds:schemaRefs>
+    <ds:schemaRef ds:uri="http://schemas.microsoft.com/sharepoint/v3/contenttype/forms"/>
   </ds:schemaRefs>
 </ds:datastoreItem>
 </file>
